--- a/人工智慧與商業應用ppt製圖.pptx
+++ b/人工智慧與商業應用ppt製圖.pptx
@@ -8,6 +8,7 @@
     <p:sldId id="256" r:id="rId2"/>
     <p:sldId id="257" r:id="rId3"/>
     <p:sldId id="258" r:id="rId4"/>
+    <p:sldId id="259" r:id="rId5"/>
   </p:sldIdLst>
   <p:sldSz cx="12192000" cy="6858000"/>
   <p:notesSz cx="6858000" cy="9144000"/>
@@ -106,6 +107,11 @@
       </a:defRPr>
     </a:lvl9pPr>
   </p:defaultTextStyle>
+  <p:extLst>
+    <p:ext uri="{EFAFB233-063F-42B5-8137-9DF3F51BA10A}">
+      <p15:sldGuideLst xmlns:p15="http://schemas.microsoft.com/office/powerpoint/2012/main"/>
+    </p:ext>
+  </p:extLst>
 </p:presentation>
 </file>
 
@@ -256,7 +262,7 @@
           <a:p>
             <a:fld id="{E2A46CD8-5988-4D52-AB27-EC6E902FE724}" type="datetimeFigureOut">
               <a:rPr lang="zh-TW" altLang="en-US" smtClean="0"/>
-              <a:t>2024/3/27</a:t>
+              <a:t>2024/4/9</a:t>
             </a:fld>
             <a:endParaRPr lang="zh-TW" altLang="en-US"/>
           </a:p>
@@ -454,7 +460,7 @@
           <a:p>
             <a:fld id="{E2A46CD8-5988-4D52-AB27-EC6E902FE724}" type="datetimeFigureOut">
               <a:rPr lang="zh-TW" altLang="en-US" smtClean="0"/>
-              <a:t>2024/3/27</a:t>
+              <a:t>2024/4/9</a:t>
             </a:fld>
             <a:endParaRPr lang="zh-TW" altLang="en-US"/>
           </a:p>
@@ -662,7 +668,7 @@
           <a:p>
             <a:fld id="{E2A46CD8-5988-4D52-AB27-EC6E902FE724}" type="datetimeFigureOut">
               <a:rPr lang="zh-TW" altLang="en-US" smtClean="0"/>
-              <a:t>2024/3/27</a:t>
+              <a:t>2024/4/9</a:t>
             </a:fld>
             <a:endParaRPr lang="zh-TW" altLang="en-US"/>
           </a:p>
@@ -860,7 +866,7 @@
           <a:p>
             <a:fld id="{E2A46CD8-5988-4D52-AB27-EC6E902FE724}" type="datetimeFigureOut">
               <a:rPr lang="zh-TW" altLang="en-US" smtClean="0"/>
-              <a:t>2024/3/27</a:t>
+              <a:t>2024/4/9</a:t>
             </a:fld>
             <a:endParaRPr lang="zh-TW" altLang="en-US"/>
           </a:p>
@@ -1135,7 +1141,7 @@
           <a:p>
             <a:fld id="{E2A46CD8-5988-4D52-AB27-EC6E902FE724}" type="datetimeFigureOut">
               <a:rPr lang="zh-TW" altLang="en-US" smtClean="0"/>
-              <a:t>2024/3/27</a:t>
+              <a:t>2024/4/9</a:t>
             </a:fld>
             <a:endParaRPr lang="zh-TW" altLang="en-US"/>
           </a:p>
@@ -1400,7 +1406,7 @@
           <a:p>
             <a:fld id="{E2A46CD8-5988-4D52-AB27-EC6E902FE724}" type="datetimeFigureOut">
               <a:rPr lang="zh-TW" altLang="en-US" smtClean="0"/>
-              <a:t>2024/3/27</a:t>
+              <a:t>2024/4/9</a:t>
             </a:fld>
             <a:endParaRPr lang="zh-TW" altLang="en-US"/>
           </a:p>
@@ -1812,7 +1818,7 @@
           <a:p>
             <a:fld id="{E2A46CD8-5988-4D52-AB27-EC6E902FE724}" type="datetimeFigureOut">
               <a:rPr lang="zh-TW" altLang="en-US" smtClean="0"/>
-              <a:t>2024/3/27</a:t>
+              <a:t>2024/4/9</a:t>
             </a:fld>
             <a:endParaRPr lang="zh-TW" altLang="en-US"/>
           </a:p>
@@ -1953,7 +1959,7 @@
           <a:p>
             <a:fld id="{E2A46CD8-5988-4D52-AB27-EC6E902FE724}" type="datetimeFigureOut">
               <a:rPr lang="zh-TW" altLang="en-US" smtClean="0"/>
-              <a:t>2024/3/27</a:t>
+              <a:t>2024/4/9</a:t>
             </a:fld>
             <a:endParaRPr lang="zh-TW" altLang="en-US"/>
           </a:p>
@@ -2066,7 +2072,7 @@
           <a:p>
             <a:fld id="{E2A46CD8-5988-4D52-AB27-EC6E902FE724}" type="datetimeFigureOut">
               <a:rPr lang="zh-TW" altLang="en-US" smtClean="0"/>
-              <a:t>2024/3/27</a:t>
+              <a:t>2024/4/9</a:t>
             </a:fld>
             <a:endParaRPr lang="zh-TW" altLang="en-US"/>
           </a:p>
@@ -2377,7 +2383,7 @@
           <a:p>
             <a:fld id="{E2A46CD8-5988-4D52-AB27-EC6E902FE724}" type="datetimeFigureOut">
               <a:rPr lang="zh-TW" altLang="en-US" smtClean="0"/>
-              <a:t>2024/3/27</a:t>
+              <a:t>2024/4/9</a:t>
             </a:fld>
             <a:endParaRPr lang="zh-TW" altLang="en-US"/>
           </a:p>
@@ -2665,7 +2671,7 @@
           <a:p>
             <a:fld id="{E2A46CD8-5988-4D52-AB27-EC6E902FE724}" type="datetimeFigureOut">
               <a:rPr lang="zh-TW" altLang="en-US" smtClean="0"/>
-              <a:t>2024/3/27</a:t>
+              <a:t>2024/4/9</a:t>
             </a:fld>
             <a:endParaRPr lang="zh-TW" altLang="en-US"/>
           </a:p>
@@ -2906,7 +2912,7 @@
           <a:p>
             <a:fld id="{E2A46CD8-5988-4D52-AB27-EC6E902FE724}" type="datetimeFigureOut">
               <a:rPr lang="zh-TW" altLang="en-US" smtClean="0"/>
-              <a:t>2024/3/27</a:t>
+              <a:t>2024/4/9</a:t>
             </a:fld>
             <a:endParaRPr lang="zh-TW" altLang="en-US"/>
           </a:p>
@@ -4101,8 +4107,8 @@
           <a:chExt cx="0" cy="0"/>
         </a:xfrm>
       </p:grpSpPr>
-      <mc:AlternateContent xmlns:mc="http://schemas.openxmlformats.org/markup-compatibility/2006">
-        <mc:Choice xmlns:a14="http://schemas.microsoft.com/office/drawing/2010/main" Requires="a14">
+      <mc:AlternateContent xmlns:mc="http://schemas.openxmlformats.org/markup-compatibility/2006" xmlns:a14="http://schemas.microsoft.com/office/drawing/2010/main">
+        <mc:Choice Requires="a14">
           <p:sp>
             <p:nvSpPr>
               <p:cNvPr id="2" name="文字方塊 1">
@@ -4131,6 +4137,7 @@
               </a:bodyPr>
               <a:lstStyle/>
               <a:p>
+                <a:pPr/>
                 <a14:m>
                   <m:oMathPara xmlns:m="http://schemas.openxmlformats.org/officeDocument/2006/math">
                     <m:oMathParaPr>
@@ -4140,7 +4147,7 @@
                       <m:f>
                         <m:fPr>
                           <m:ctrlPr>
-                            <a:rPr lang="zh-TW" altLang="en-US" smtClean="0">
+                            <a:rPr lang="zh-TW" altLang="en-US" i="1" smtClean="0">
                               <a:solidFill>
                                 <a:srgbClr val="836967"/>
                               </a:solidFill>
@@ -4153,7 +4160,7 @@
                             <m:accPr>
                               <m:chr m:val="⃗"/>
                               <m:ctrlPr>
-                                <a:rPr lang="zh-TW" altLang="en-US">
+                                <a:rPr lang="zh-TW" altLang="en-US" i="1">
                                   <a:solidFill>
                                     <a:srgbClr val="836967"/>
                                   </a:solidFill>
@@ -4476,7 +4483,7 @@
             </p:txBody>
           </p:sp>
         </mc:Choice>
-        <mc:Fallback>
+        <mc:Fallback xmlns="">
           <p:sp>
             <p:nvSpPr>
               <p:cNvPr id="2" name="文字方塊 1">
@@ -4525,6 +4532,378 @@
     <p:extLst>
       <p:ext uri="{BB962C8B-B14F-4D97-AF65-F5344CB8AC3E}">
         <p14:creationId xmlns:p14="http://schemas.microsoft.com/office/powerpoint/2010/main" val="1433162626"/>
+      </p:ext>
+    </p:extLst>
+  </p:cSld>
+  <p:clrMapOvr>
+    <a:masterClrMapping/>
+  </p:clrMapOvr>
+</p:sld>
+</file>
+
+<file path=ppt/slides/slide4.xml><?xml version="1.0" encoding="utf-8"?>
+<p:sld xmlns:a="http://schemas.openxmlformats.org/drawingml/2006/main" xmlns:r="http://schemas.openxmlformats.org/officeDocument/2006/relationships" xmlns:p="http://schemas.openxmlformats.org/presentationml/2006/main">
+  <p:cSld>
+    <p:spTree>
+      <p:nvGrpSpPr>
+        <p:cNvPr id="1" name=""/>
+        <p:cNvGrpSpPr/>
+        <p:nvPr/>
+      </p:nvGrpSpPr>
+      <p:grpSpPr>
+        <a:xfrm>
+          <a:off x="0" y="0"/>
+          <a:ext cx="0" cy="0"/>
+          <a:chOff x="0" y="0"/>
+          <a:chExt cx="0" cy="0"/>
+        </a:xfrm>
+      </p:grpSpPr>
+      <p:grpSp>
+        <p:nvGrpSpPr>
+          <p:cNvPr id="14" name="群組 13">
+            <a:extLst>
+              <a:ext uri="{FF2B5EF4-FFF2-40B4-BE49-F238E27FC236}">
+                <a16:creationId xmlns:a16="http://schemas.microsoft.com/office/drawing/2014/main" id="{DD00F0E9-87B5-08FF-4E35-B747A6CCBD0D}"/>
+              </a:ext>
+            </a:extLst>
+          </p:cNvPr>
+          <p:cNvGrpSpPr/>
+          <p:nvPr/>
+        </p:nvGrpSpPr>
+        <p:grpSpPr>
+          <a:xfrm>
+            <a:off x="3303639" y="1582994"/>
+            <a:ext cx="3903406" cy="3637935"/>
+            <a:chOff x="3303639" y="1582994"/>
+            <a:chExt cx="3903406" cy="3637935"/>
+          </a:xfrm>
+        </p:grpSpPr>
+        <p:sp>
+          <p:nvSpPr>
+            <p:cNvPr id="2" name="矩形 1">
+              <a:extLst>
+                <a:ext uri="{FF2B5EF4-FFF2-40B4-BE49-F238E27FC236}">
+                  <a16:creationId xmlns:a16="http://schemas.microsoft.com/office/drawing/2014/main" id="{0713BB2B-5844-7A05-7363-87C106402330}"/>
+                </a:ext>
+              </a:extLst>
+            </p:cNvPr>
+            <p:cNvSpPr/>
+            <p:nvPr/>
+          </p:nvSpPr>
+          <p:spPr>
+            <a:xfrm>
+              <a:off x="3303639" y="1582994"/>
+              <a:ext cx="3903406" cy="3637935"/>
+            </a:xfrm>
+            <a:prstGeom prst="rect">
+              <a:avLst/>
+            </a:prstGeom>
+            <a:solidFill>
+              <a:schemeClr val="accent2">
+                <a:lumMod val="20000"/>
+                <a:lumOff val="80000"/>
+              </a:schemeClr>
+            </a:solidFill>
+          </p:spPr>
+          <p:style>
+            <a:lnRef idx="3">
+              <a:schemeClr val="lt1"/>
+            </a:lnRef>
+            <a:fillRef idx="1">
+              <a:schemeClr val="accent2"/>
+            </a:fillRef>
+            <a:effectRef idx="1">
+              <a:schemeClr val="accent2"/>
+            </a:effectRef>
+            <a:fontRef idx="minor">
+              <a:schemeClr val="lt1"/>
+            </a:fontRef>
+          </p:style>
+          <p:txBody>
+            <a:bodyPr rtlCol="0" anchor="ctr"/>
+            <a:lstStyle/>
+            <a:p>
+              <a:pPr algn="ctr"/>
+              <a:endParaRPr lang="zh-TW" altLang="en-US" dirty="0"/>
+            </a:p>
+          </p:txBody>
+        </p:sp>
+        <p:sp>
+          <p:nvSpPr>
+            <p:cNvPr id="3" name="橢圓 2">
+              <a:extLst>
+                <a:ext uri="{FF2B5EF4-FFF2-40B4-BE49-F238E27FC236}">
+                  <a16:creationId xmlns:a16="http://schemas.microsoft.com/office/drawing/2014/main" id="{BF4936CD-FA35-2539-DE9F-7B6EF572D7F0}"/>
+                </a:ext>
+              </a:extLst>
+            </p:cNvPr>
+            <p:cNvSpPr/>
+            <p:nvPr/>
+          </p:nvSpPr>
+          <p:spPr>
+            <a:xfrm>
+              <a:off x="4031226" y="2241755"/>
+              <a:ext cx="2448232" cy="2374490"/>
+            </a:xfrm>
+            <a:prstGeom prst="ellipse">
+              <a:avLst/>
+            </a:prstGeom>
+            <a:solidFill>
+              <a:schemeClr val="accent2">
+                <a:lumMod val="60000"/>
+                <a:lumOff val="40000"/>
+              </a:schemeClr>
+            </a:solidFill>
+          </p:spPr>
+          <p:style>
+            <a:lnRef idx="2">
+              <a:schemeClr val="dk1"/>
+            </a:lnRef>
+            <a:fillRef idx="1">
+              <a:schemeClr val="lt1"/>
+            </a:fillRef>
+            <a:effectRef idx="0">
+              <a:schemeClr val="dk1"/>
+            </a:effectRef>
+            <a:fontRef idx="minor">
+              <a:schemeClr val="dk1"/>
+            </a:fontRef>
+          </p:style>
+          <p:txBody>
+            <a:bodyPr rtlCol="0" anchor="ctr"/>
+            <a:lstStyle/>
+            <a:p>
+              <a:pPr algn="ctr"/>
+              <a:endParaRPr lang="zh-TW" altLang="en-US"/>
+            </a:p>
+          </p:txBody>
+        </p:sp>
+        <p:sp>
+          <p:nvSpPr>
+            <p:cNvPr id="4" name="橢圓 3">
+              <a:extLst>
+                <a:ext uri="{FF2B5EF4-FFF2-40B4-BE49-F238E27FC236}">
+                  <a16:creationId xmlns:a16="http://schemas.microsoft.com/office/drawing/2014/main" id="{7EB04109-F4A6-AF2B-4E78-6E0E42901C75}"/>
+                </a:ext>
+              </a:extLst>
+            </p:cNvPr>
+            <p:cNvSpPr/>
+            <p:nvPr/>
+          </p:nvSpPr>
+          <p:spPr>
+            <a:xfrm>
+              <a:off x="4913671" y="3045542"/>
+              <a:ext cx="683342" cy="766916"/>
+            </a:xfrm>
+            <a:prstGeom prst="ellipse">
+              <a:avLst/>
+            </a:prstGeom>
+            <a:solidFill>
+              <a:schemeClr val="accent2">
+                <a:lumMod val="75000"/>
+              </a:schemeClr>
+            </a:solidFill>
+          </p:spPr>
+          <p:style>
+            <a:lnRef idx="2">
+              <a:schemeClr val="dk1"/>
+            </a:lnRef>
+            <a:fillRef idx="1">
+              <a:schemeClr val="lt1"/>
+            </a:fillRef>
+            <a:effectRef idx="0">
+              <a:schemeClr val="dk1"/>
+            </a:effectRef>
+            <a:fontRef idx="minor">
+              <a:schemeClr val="dk1"/>
+            </a:fontRef>
+          </p:style>
+          <p:txBody>
+            <a:bodyPr rtlCol="0" anchor="ctr"/>
+            <a:lstStyle/>
+            <a:p>
+              <a:pPr algn="ctr"/>
+              <a:endParaRPr lang="zh-TW" altLang="en-US"/>
+            </a:p>
+          </p:txBody>
+        </p:sp>
+        <p:sp>
+          <p:nvSpPr>
+            <p:cNvPr id="5" name="文字方塊 4">
+              <a:extLst>
+                <a:ext uri="{FF2B5EF4-FFF2-40B4-BE49-F238E27FC236}">
+                  <a16:creationId xmlns:a16="http://schemas.microsoft.com/office/drawing/2014/main" id="{69BC3DEA-284F-A9A3-66A1-D9E115131545}"/>
+                </a:ext>
+              </a:extLst>
+            </p:cNvPr>
+            <p:cNvSpPr txBox="1"/>
+            <p:nvPr/>
+          </p:nvSpPr>
+          <p:spPr>
+            <a:xfrm>
+              <a:off x="5900584" y="1872423"/>
+              <a:ext cx="1113503" cy="369332"/>
+            </a:xfrm>
+            <a:prstGeom prst="rect">
+              <a:avLst/>
+            </a:prstGeom>
+            <a:noFill/>
+          </p:spPr>
+          <p:txBody>
+            <a:bodyPr wrap="square" rtlCol="0">
+              <a:spAutoFit/>
+            </a:bodyPr>
+            <a:lstStyle/>
+            <a:p>
+              <a:r>
+                <a:rPr lang="zh-TW" altLang="en-US" dirty="0"/>
+                <a:t>環境刺激</a:t>
+              </a:r>
+            </a:p>
+          </p:txBody>
+        </p:sp>
+        <p:sp>
+          <p:nvSpPr>
+            <p:cNvPr id="6" name="文字方塊 5">
+              <a:extLst>
+                <a:ext uri="{FF2B5EF4-FFF2-40B4-BE49-F238E27FC236}">
+                  <a16:creationId xmlns:a16="http://schemas.microsoft.com/office/drawing/2014/main" id="{F8843F61-F63A-6CD2-C0ED-B748AB859CC4}"/>
+                </a:ext>
+              </a:extLst>
+            </p:cNvPr>
+            <p:cNvSpPr txBox="1"/>
+            <p:nvPr/>
+          </p:nvSpPr>
+          <p:spPr>
+            <a:xfrm>
+              <a:off x="5067666" y="3999806"/>
+              <a:ext cx="1827744" cy="369332"/>
+            </a:xfrm>
+            <a:prstGeom prst="rect">
+              <a:avLst/>
+            </a:prstGeom>
+            <a:noFill/>
+          </p:spPr>
+          <p:txBody>
+            <a:bodyPr wrap="none" rtlCol="0">
+              <a:spAutoFit/>
+            </a:bodyPr>
+            <a:lstStyle/>
+            <a:p>
+              <a:r>
+                <a:rPr lang="zh-TW" altLang="en-US" dirty="0"/>
+                <a:t>色刺激</a:t>
+              </a:r>
+              <a:r>
+                <a:rPr lang="en-US" altLang="zh-TW" dirty="0"/>
+                <a:t>(2</a:t>
+              </a:r>
+              <a:r>
+                <a:rPr lang="zh-TW" altLang="en-US" dirty="0"/>
+                <a:t>度視角</a:t>
+              </a:r>
+              <a:r>
+                <a:rPr lang="en-US" altLang="zh-TW" dirty="0"/>
+                <a:t>)</a:t>
+              </a:r>
+              <a:endParaRPr lang="zh-TW" altLang="en-US" dirty="0"/>
+            </a:p>
+          </p:txBody>
+        </p:sp>
+        <p:cxnSp>
+          <p:nvCxnSpPr>
+            <p:cNvPr id="8" name="直線單箭頭接點 7">
+              <a:extLst>
+                <a:ext uri="{FF2B5EF4-FFF2-40B4-BE49-F238E27FC236}">
+                  <a16:creationId xmlns:a16="http://schemas.microsoft.com/office/drawing/2014/main" id="{6C526009-20F2-63BD-A93F-CBF60217D06C}"/>
+                </a:ext>
+              </a:extLst>
+            </p:cNvPr>
+            <p:cNvCxnSpPr>
+              <a:cxnSpLocks/>
+            </p:cNvCxnSpPr>
+            <p:nvPr/>
+          </p:nvCxnSpPr>
+          <p:spPr>
+            <a:xfrm flipH="1" flipV="1">
+              <a:off x="5437239" y="3812458"/>
+              <a:ext cx="89380" cy="299660"/>
+            </a:xfrm>
+            <a:prstGeom prst="straightConnector1">
+              <a:avLst/>
+            </a:prstGeom>
+            <a:ln>
+              <a:tailEnd type="triangle"/>
+            </a:ln>
+          </p:spPr>
+          <p:style>
+            <a:lnRef idx="2">
+              <a:schemeClr val="accent1"/>
+            </a:lnRef>
+            <a:fillRef idx="0">
+              <a:schemeClr val="accent1"/>
+            </a:fillRef>
+            <a:effectRef idx="1">
+              <a:schemeClr val="accent1"/>
+            </a:effectRef>
+            <a:fontRef idx="minor">
+              <a:schemeClr val="tx1"/>
+            </a:fontRef>
+          </p:style>
+        </p:cxnSp>
+        <p:sp>
+          <p:nvSpPr>
+            <p:cNvPr id="12" name="文字方塊 11">
+              <a:extLst>
+                <a:ext uri="{FF2B5EF4-FFF2-40B4-BE49-F238E27FC236}">
+                  <a16:creationId xmlns:a16="http://schemas.microsoft.com/office/drawing/2014/main" id="{739958B5-FF01-67E4-7779-769934555CAC}"/>
+                </a:ext>
+              </a:extLst>
+            </p:cNvPr>
+            <p:cNvSpPr txBox="1"/>
+            <p:nvPr/>
+          </p:nvSpPr>
+          <p:spPr>
+            <a:xfrm>
+              <a:off x="4239319" y="2655093"/>
+              <a:ext cx="2240139" cy="369331"/>
+            </a:xfrm>
+            <a:prstGeom prst="rect">
+              <a:avLst/>
+            </a:prstGeom>
+            <a:noFill/>
+          </p:spPr>
+          <p:txBody>
+            <a:bodyPr wrap="square" rtlCol="0">
+              <a:spAutoFit/>
+            </a:bodyPr>
+            <a:lstStyle/>
+            <a:p>
+              <a:r>
+                <a:rPr lang="zh-TW" altLang="en-US" dirty="0"/>
+                <a:t>背景刺激</a:t>
+              </a:r>
+              <a:r>
+                <a:rPr lang="en-US" altLang="zh-TW" dirty="0"/>
+                <a:t>(10</a:t>
+              </a:r>
+              <a:r>
+                <a:rPr lang="zh-TW" altLang="en-US" dirty="0"/>
+                <a:t>度視角</a:t>
+              </a:r>
+              <a:r>
+                <a:rPr lang="en-US" altLang="zh-TW" dirty="0"/>
+                <a:t>)</a:t>
+              </a:r>
+              <a:endParaRPr lang="zh-TW" altLang="en-US" dirty="0"/>
+            </a:p>
+          </p:txBody>
+        </p:sp>
+      </p:grpSp>
+    </p:spTree>
+    <p:extLst>
+      <p:ext uri="{BB962C8B-B14F-4D97-AF65-F5344CB8AC3E}">
+        <p14:creationId xmlns:p14="http://schemas.microsoft.com/office/powerpoint/2010/main" val="3163844909"/>
       </p:ext>
     </p:extLst>
   </p:cSld>

--- a/人工智慧與商業應用ppt製圖.pptx
+++ b/人工智慧與商業應用ppt製圖.pptx
@@ -5,10 +5,7 @@
     <p:sldMasterId id="2147483648" r:id="rId1"/>
   </p:sldMasterIdLst>
   <p:sldIdLst>
-    <p:sldId id="256" r:id="rId2"/>
-    <p:sldId id="257" r:id="rId3"/>
-    <p:sldId id="258" r:id="rId4"/>
-    <p:sldId id="259" r:id="rId5"/>
+    <p:sldId id="257" r:id="rId2"/>
   </p:sldIdLst>
   <p:sldSz cx="12192000" cy="6858000"/>
   <p:notesSz cx="6858000" cy="9144000"/>
@@ -262,7 +259,7 @@
           <a:p>
             <a:fld id="{E2A46CD8-5988-4D52-AB27-EC6E902FE724}" type="datetimeFigureOut">
               <a:rPr lang="zh-TW" altLang="en-US" smtClean="0"/>
-              <a:t>2024/4/9</a:t>
+              <a:t>2024/4/16</a:t>
             </a:fld>
             <a:endParaRPr lang="zh-TW" altLang="en-US"/>
           </a:p>
@@ -460,7 +457,7 @@
           <a:p>
             <a:fld id="{E2A46CD8-5988-4D52-AB27-EC6E902FE724}" type="datetimeFigureOut">
               <a:rPr lang="zh-TW" altLang="en-US" smtClean="0"/>
-              <a:t>2024/4/9</a:t>
+              <a:t>2024/4/16</a:t>
             </a:fld>
             <a:endParaRPr lang="zh-TW" altLang="en-US"/>
           </a:p>
@@ -668,7 +665,7 @@
           <a:p>
             <a:fld id="{E2A46CD8-5988-4D52-AB27-EC6E902FE724}" type="datetimeFigureOut">
               <a:rPr lang="zh-TW" altLang="en-US" smtClean="0"/>
-              <a:t>2024/4/9</a:t>
+              <a:t>2024/4/16</a:t>
             </a:fld>
             <a:endParaRPr lang="zh-TW" altLang="en-US"/>
           </a:p>
@@ -866,7 +863,7 @@
           <a:p>
             <a:fld id="{E2A46CD8-5988-4D52-AB27-EC6E902FE724}" type="datetimeFigureOut">
               <a:rPr lang="zh-TW" altLang="en-US" smtClean="0"/>
-              <a:t>2024/4/9</a:t>
+              <a:t>2024/4/16</a:t>
             </a:fld>
             <a:endParaRPr lang="zh-TW" altLang="en-US"/>
           </a:p>
@@ -1141,7 +1138,7 @@
           <a:p>
             <a:fld id="{E2A46CD8-5988-4D52-AB27-EC6E902FE724}" type="datetimeFigureOut">
               <a:rPr lang="zh-TW" altLang="en-US" smtClean="0"/>
-              <a:t>2024/4/9</a:t>
+              <a:t>2024/4/16</a:t>
             </a:fld>
             <a:endParaRPr lang="zh-TW" altLang="en-US"/>
           </a:p>
@@ -1406,7 +1403,7 @@
           <a:p>
             <a:fld id="{E2A46CD8-5988-4D52-AB27-EC6E902FE724}" type="datetimeFigureOut">
               <a:rPr lang="zh-TW" altLang="en-US" smtClean="0"/>
-              <a:t>2024/4/9</a:t>
+              <a:t>2024/4/16</a:t>
             </a:fld>
             <a:endParaRPr lang="zh-TW" altLang="en-US"/>
           </a:p>
@@ -1818,7 +1815,7 @@
           <a:p>
             <a:fld id="{E2A46CD8-5988-4D52-AB27-EC6E902FE724}" type="datetimeFigureOut">
               <a:rPr lang="zh-TW" altLang="en-US" smtClean="0"/>
-              <a:t>2024/4/9</a:t>
+              <a:t>2024/4/16</a:t>
             </a:fld>
             <a:endParaRPr lang="zh-TW" altLang="en-US"/>
           </a:p>
@@ -1959,7 +1956,7 @@
           <a:p>
             <a:fld id="{E2A46CD8-5988-4D52-AB27-EC6E902FE724}" type="datetimeFigureOut">
               <a:rPr lang="zh-TW" altLang="en-US" smtClean="0"/>
-              <a:t>2024/4/9</a:t>
+              <a:t>2024/4/16</a:t>
             </a:fld>
             <a:endParaRPr lang="zh-TW" altLang="en-US"/>
           </a:p>
@@ -2072,7 +2069,7 @@
           <a:p>
             <a:fld id="{E2A46CD8-5988-4D52-AB27-EC6E902FE724}" type="datetimeFigureOut">
               <a:rPr lang="zh-TW" altLang="en-US" smtClean="0"/>
-              <a:t>2024/4/9</a:t>
+              <a:t>2024/4/16</a:t>
             </a:fld>
             <a:endParaRPr lang="zh-TW" altLang="en-US"/>
           </a:p>
@@ -2383,7 +2380,7 @@
           <a:p>
             <a:fld id="{E2A46CD8-5988-4D52-AB27-EC6E902FE724}" type="datetimeFigureOut">
               <a:rPr lang="zh-TW" altLang="en-US" smtClean="0"/>
-              <a:t>2024/4/9</a:t>
+              <a:t>2024/4/16</a:t>
             </a:fld>
             <a:endParaRPr lang="zh-TW" altLang="en-US"/>
           </a:p>
@@ -2671,7 +2668,7 @@
           <a:p>
             <a:fld id="{E2A46CD8-5988-4D52-AB27-EC6E902FE724}" type="datetimeFigureOut">
               <a:rPr lang="zh-TW" altLang="en-US" smtClean="0"/>
-              <a:t>2024/4/9</a:t>
+              <a:t>2024/4/16</a:t>
             </a:fld>
             <a:endParaRPr lang="zh-TW" altLang="en-US"/>
           </a:p>
@@ -2912,7 +2909,7 @@
           <a:p>
             <a:fld id="{E2A46CD8-5988-4D52-AB27-EC6E902FE724}" type="datetimeFigureOut">
               <a:rPr lang="zh-TW" altLang="en-US" smtClean="0"/>
-              <a:t>2024/4/9</a:t>
+              <a:t>2024/4/16</a:t>
             </a:fld>
             <a:endParaRPr lang="zh-TW" altLang="en-US"/>
           </a:p>
@@ -3331,86 +3328,6 @@
       </p:grpSpPr>
       <p:sp>
         <p:nvSpPr>
-          <p:cNvPr id="2" name="標題 1">
-            <a:extLst>
-              <a:ext uri="{FF2B5EF4-FFF2-40B4-BE49-F238E27FC236}">
-                <a16:creationId xmlns:a16="http://schemas.microsoft.com/office/drawing/2014/main" id="{8BB599C3-1234-3843-DEC6-A2673106699C}"/>
-              </a:ext>
-            </a:extLst>
-          </p:cNvPr>
-          <p:cNvSpPr>
-            <a:spLocks noGrp="1"/>
-          </p:cNvSpPr>
-          <p:nvPr>
-            <p:ph type="ctrTitle"/>
-          </p:nvPr>
-        </p:nvSpPr>
-        <p:spPr/>
-        <p:txBody>
-          <a:bodyPr/>
-          <a:lstStyle/>
-          <a:p>
-            <a:endParaRPr lang="zh-TW" altLang="en-US"/>
-          </a:p>
-        </p:txBody>
-      </p:sp>
-      <p:sp>
-        <p:nvSpPr>
-          <p:cNvPr id="3" name="副標題 2">
-            <a:extLst>
-              <a:ext uri="{FF2B5EF4-FFF2-40B4-BE49-F238E27FC236}">
-                <a16:creationId xmlns:a16="http://schemas.microsoft.com/office/drawing/2014/main" id="{FEA70E9C-46BD-1B48-CC8C-557BF28DB0EE}"/>
-              </a:ext>
-            </a:extLst>
-          </p:cNvPr>
-          <p:cNvSpPr>
-            <a:spLocks noGrp="1"/>
-          </p:cNvSpPr>
-          <p:nvPr>
-            <p:ph type="subTitle" idx="1"/>
-          </p:nvPr>
-        </p:nvSpPr>
-        <p:spPr/>
-        <p:txBody>
-          <a:bodyPr/>
-          <a:lstStyle/>
-          <a:p>
-            <a:endParaRPr lang="zh-TW" altLang="en-US"/>
-          </a:p>
-        </p:txBody>
-      </p:sp>
-    </p:spTree>
-    <p:extLst>
-      <p:ext uri="{BB962C8B-B14F-4D97-AF65-F5344CB8AC3E}">
-        <p14:creationId xmlns:p14="http://schemas.microsoft.com/office/powerpoint/2010/main" val="1629608502"/>
-      </p:ext>
-    </p:extLst>
-  </p:cSld>
-  <p:clrMapOvr>
-    <a:masterClrMapping/>
-  </p:clrMapOvr>
-</p:sld>
-</file>
-
-<file path=ppt/slides/slide2.xml><?xml version="1.0" encoding="utf-8"?>
-<p:sld xmlns:a="http://schemas.openxmlformats.org/drawingml/2006/main" xmlns:r="http://schemas.openxmlformats.org/officeDocument/2006/relationships" xmlns:p="http://schemas.openxmlformats.org/presentationml/2006/main">
-  <p:cSld>
-    <p:spTree>
-      <p:nvGrpSpPr>
-        <p:cNvPr id="1" name=""/>
-        <p:cNvGrpSpPr/>
-        <p:nvPr/>
-      </p:nvGrpSpPr>
-      <p:grpSpPr>
-        <a:xfrm>
-          <a:off x="0" y="0"/>
-          <a:ext cx="0" cy="0"/>
-          <a:chOff x="0" y="0"/>
-          <a:chExt cx="0" cy="0"/>
-        </a:xfrm>
-      </p:grpSpPr>
-      <p:sp>
-        <p:nvSpPr>
           <p:cNvPr id="3" name="橢圓 2">
             <a:extLst>
               <a:ext uri="{FF2B5EF4-FFF2-40B4-BE49-F238E27FC236}">
@@ -4081,829 +3998,6 @@
     <p:extLst>
       <p:ext uri="{BB962C8B-B14F-4D97-AF65-F5344CB8AC3E}">
         <p14:creationId xmlns:p14="http://schemas.microsoft.com/office/powerpoint/2010/main" val="419195163"/>
-      </p:ext>
-    </p:extLst>
-  </p:cSld>
-  <p:clrMapOvr>
-    <a:masterClrMapping/>
-  </p:clrMapOvr>
-</p:sld>
-</file>
-
-<file path=ppt/slides/slide3.xml><?xml version="1.0" encoding="utf-8"?>
-<p:sld xmlns:a="http://schemas.openxmlformats.org/drawingml/2006/main" xmlns:r="http://schemas.openxmlformats.org/officeDocument/2006/relationships" xmlns:p="http://schemas.openxmlformats.org/presentationml/2006/main">
-  <p:cSld>
-    <p:spTree>
-      <p:nvGrpSpPr>
-        <p:cNvPr id="1" name=""/>
-        <p:cNvGrpSpPr/>
-        <p:nvPr/>
-      </p:nvGrpSpPr>
-      <p:grpSpPr>
-        <a:xfrm>
-          <a:off x="0" y="0"/>
-          <a:ext cx="0" cy="0"/>
-          <a:chOff x="0" y="0"/>
-          <a:chExt cx="0" cy="0"/>
-        </a:xfrm>
-      </p:grpSpPr>
-      <mc:AlternateContent xmlns:mc="http://schemas.openxmlformats.org/markup-compatibility/2006" xmlns:a14="http://schemas.microsoft.com/office/drawing/2010/main">
-        <mc:Choice Requires="a14">
-          <p:sp>
-            <p:nvSpPr>
-              <p:cNvPr id="2" name="文字方塊 1">
-                <a:extLst>
-                  <a:ext uri="{FF2B5EF4-FFF2-40B4-BE49-F238E27FC236}">
-                    <a16:creationId xmlns:a16="http://schemas.microsoft.com/office/drawing/2014/main" id="{0C4D48D7-7BC2-D326-7436-DEEBF4B525BF}"/>
-                  </a:ext>
-                </a:extLst>
-              </p:cNvPr>
-              <p:cNvSpPr txBox="1"/>
-              <p:nvPr/>
-            </p:nvSpPr>
-            <p:spPr>
-              <a:xfrm>
-                <a:off x="5638800" y="2975428"/>
-                <a:ext cx="2008435" cy="1043491"/>
-              </a:xfrm>
-              <a:prstGeom prst="rect">
-                <a:avLst/>
-              </a:prstGeom>
-              <a:noFill/>
-            </p:spPr>
-            <p:txBody>
-              <a:bodyPr wrap="none" lIns="0" tIns="0" rIns="0" bIns="0" rtlCol="0">
-                <a:spAutoFit/>
-              </a:bodyPr>
-              <a:lstStyle/>
-              <a:p>
-                <a:pPr/>
-                <a14:m>
-                  <m:oMathPara xmlns:m="http://schemas.openxmlformats.org/officeDocument/2006/math">
-                    <m:oMathParaPr>
-                      <m:jc m:val="centerGroup"/>
-                    </m:oMathParaPr>
-                    <m:oMath xmlns:m="http://schemas.openxmlformats.org/officeDocument/2006/math">
-                      <m:f>
-                        <m:fPr>
-                          <m:ctrlPr>
-                            <a:rPr lang="zh-TW" altLang="en-US" i="1" smtClean="0">
-                              <a:solidFill>
-                                <a:srgbClr val="836967"/>
-                              </a:solidFill>
-                              <a:latin typeface="Cambria Math" panose="02040503050406030204" pitchFamily="18" charset="0"/>
-                            </a:rPr>
-                          </m:ctrlPr>
-                        </m:fPr>
-                        <m:num>
-                          <m:acc>
-                            <m:accPr>
-                              <m:chr m:val="⃗"/>
-                              <m:ctrlPr>
-                                <a:rPr lang="zh-TW" altLang="en-US" i="1">
-                                  <a:solidFill>
-                                    <a:srgbClr val="836967"/>
-                                  </a:solidFill>
-                                  <a:latin typeface="Cambria Math" panose="02040503050406030204" pitchFamily="18" charset="0"/>
-                                </a:rPr>
-                              </m:ctrlPr>
-                            </m:accPr>
-                            <m:e>
-                              <m:r>
-                                <a:rPr lang="zh-TW" altLang="en-US" i="1">
-                                  <a:latin typeface="Cambria Math" panose="02040503050406030204" pitchFamily="18" charset="0"/>
-                                </a:rPr>
-                                <m:t>𝑥</m:t>
-                              </m:r>
-                            </m:e>
-                          </m:acc>
-                        </m:num>
-                        <m:den>
-                          <m:f>
-                            <m:fPr>
-                              <m:ctrlPr>
-                                <a:rPr lang="zh-TW" altLang="en-US" i="1">
-                                  <a:solidFill>
-                                    <a:srgbClr val="836967"/>
-                                  </a:solidFill>
-                                  <a:latin typeface="Cambria Math" panose="02040503050406030204" pitchFamily="18" charset="0"/>
-                                </a:rPr>
-                              </m:ctrlPr>
-                            </m:fPr>
-                            <m:num>
-                              <m:sSup>
-                                <m:sSupPr>
-                                  <m:ctrlPr>
-                                    <a:rPr lang="zh-TW" altLang="en-US" i="1">
-                                      <a:solidFill>
-                                        <a:srgbClr val="836967"/>
-                                      </a:solidFill>
-                                      <a:latin typeface="Cambria Math" panose="02040503050406030204" pitchFamily="18" charset="0"/>
-                                    </a:rPr>
-                                  </m:ctrlPr>
-                                </m:sSupPr>
-                                <m:e>
-                                  <m:acc>
-                                    <m:accPr>
-                                      <m:chr m:val="⃗"/>
-                                      <m:ctrlPr>
-                                        <a:rPr lang="zh-TW" altLang="en-US" i="1">
-                                          <a:solidFill>
-                                            <a:srgbClr val="836967"/>
-                                          </a:solidFill>
-                                          <a:latin typeface="Cambria Math" panose="02040503050406030204" pitchFamily="18" charset="0"/>
-                                        </a:rPr>
-                                      </m:ctrlPr>
-                                    </m:accPr>
-                                    <m:e>
-                                      <m:r>
-                                        <a:rPr lang="zh-TW" altLang="en-US" i="1">
-                                          <a:latin typeface="Cambria Math" panose="02040503050406030204" pitchFamily="18" charset="0"/>
-                                        </a:rPr>
-                                        <m:t>𝑥</m:t>
-                                      </m:r>
-                                    </m:e>
-                                  </m:acc>
-                                </m:e>
-                                <m:sup>
-                                  <m:r>
-                                    <a:rPr lang="zh-TW" altLang="en-US" i="0">
-                                      <a:latin typeface="Cambria Math" panose="02040503050406030204" pitchFamily="18" charset="0"/>
-                                    </a:rPr>
-                                    <m:t>′</m:t>
-                                  </m:r>
-                                </m:sup>
-                              </m:sSup>
-                              <m:r>
-                                <a:rPr lang="zh-TW" altLang="en-US" i="0">
-                                  <a:latin typeface="Cambria Math" panose="02040503050406030204" pitchFamily="18" charset="0"/>
-                                </a:rPr>
-                                <m:t>−→</m:t>
-                              </m:r>
-                              <m:acc>
-                                <m:accPr>
-                                  <m:chr m:val="⃗"/>
-                                  <m:ctrlPr>
-                                    <a:rPr lang="zh-TW" altLang="en-US" i="1">
-                                      <a:solidFill>
-                                        <a:srgbClr val="836967"/>
-                                      </a:solidFill>
-                                      <a:latin typeface="Cambria Math" panose="02040503050406030204" pitchFamily="18" charset="0"/>
-                                    </a:rPr>
-                                  </m:ctrlPr>
-                                </m:accPr>
-                                <m:e>
-                                  <m:r>
-                                    <a:rPr lang="zh-TW" altLang="en-US" i="1">
-                                      <a:latin typeface="Cambria Math" panose="02040503050406030204" pitchFamily="18" charset="0"/>
-                                    </a:rPr>
-                                    <m:t>𝑥</m:t>
-                                  </m:r>
-                                </m:e>
-                              </m:acc>
-                              <m:r>
-                                <a:rPr lang="zh-TW" altLang="en-US" i="0">
-                                  <a:latin typeface="Cambria Math" panose="02040503050406030204" pitchFamily="18" charset="0"/>
-                                </a:rPr>
-                                <m:t>+</m:t>
-                              </m:r>
-                              <m:r>
-                                <a:rPr lang="zh-TW" altLang="en-US" i="1">
-                                  <a:latin typeface="Cambria Math" panose="02040503050406030204" pitchFamily="18" charset="0"/>
-                                </a:rPr>
-                                <m:t>𝜖</m:t>
-                              </m:r>
-                              <m:d>
-                                <m:dPr>
-                                  <m:ctrlPr>
-                                    <a:rPr lang="zh-TW" altLang="en-US" i="1">
-                                      <a:solidFill>
-                                        <a:srgbClr val="836967"/>
-                                      </a:solidFill>
-                                      <a:latin typeface="Cambria Math" panose="02040503050406030204" pitchFamily="18" charset="0"/>
-                                    </a:rPr>
-                                  </m:ctrlPr>
-                                </m:dPr>
-                                <m:e>
-                                  <m:acc>
-                                    <m:accPr>
-                                      <m:chr m:val="⃗"/>
-                                      <m:ctrlPr>
-                                        <a:rPr lang="zh-TW" altLang="en-US" i="1">
-                                          <a:solidFill>
-                                            <a:srgbClr val="836967"/>
-                                          </a:solidFill>
-                                          <a:latin typeface="Cambria Math" panose="02040503050406030204" pitchFamily="18" charset="0"/>
-                                        </a:rPr>
-                                      </m:ctrlPr>
-                                    </m:accPr>
-                                    <m:e>
-                                      <m:r>
-                                        <a:rPr lang="zh-TW" altLang="en-US" i="1">
-                                          <a:latin typeface="Cambria Math" panose="02040503050406030204" pitchFamily="18" charset="0"/>
-                                        </a:rPr>
-                                        <m:t>𝜇</m:t>
-                                      </m:r>
-                                    </m:e>
-                                  </m:acc>
-                                  <m:r>
-                                    <a:rPr lang="zh-TW" altLang="en-US" i="0">
-                                      <a:latin typeface="Cambria Math" panose="02040503050406030204" pitchFamily="18" charset="0"/>
-                                    </a:rPr>
-                                    <m:t>−</m:t>
-                                  </m:r>
-                                  <m:acc>
-                                    <m:accPr>
-                                      <m:chr m:val="⃗"/>
-                                      <m:ctrlPr>
-                                        <a:rPr lang="zh-TW" altLang="en-US" i="1">
-                                          <a:solidFill>
-                                            <a:srgbClr val="836967"/>
-                                          </a:solidFill>
-                                          <a:latin typeface="Cambria Math" panose="02040503050406030204" pitchFamily="18" charset="0"/>
-                                        </a:rPr>
-                                      </m:ctrlPr>
-                                    </m:accPr>
-                                    <m:e>
-                                      <m:r>
-                                        <a:rPr lang="zh-TW" altLang="en-US" i="1">
-                                          <a:latin typeface="Cambria Math" panose="02040503050406030204" pitchFamily="18" charset="0"/>
-                                        </a:rPr>
-                                        <m:t>𝑥</m:t>
-                                      </m:r>
-                                    </m:e>
-                                  </m:acc>
-                                </m:e>
-                              </m:d>
-                            </m:num>
-                            <m:den>
-                              <m:acc>
-                                <m:accPr>
-                                  <m:chr m:val="⃗"/>
-                                  <m:ctrlPr>
-                                    <a:rPr lang="zh-TW" altLang="en-US" i="1">
-                                      <a:solidFill>
-                                        <a:srgbClr val="836967"/>
-                                      </a:solidFill>
-                                      <a:latin typeface="Cambria Math" panose="02040503050406030204" pitchFamily="18" charset="0"/>
-                                    </a:rPr>
-                                  </m:ctrlPr>
-                                </m:accPr>
-                                <m:e>
-                                  <m:r>
-                                    <a:rPr lang="zh-TW" altLang="en-US" i="1">
-                                      <a:latin typeface="Cambria Math" panose="02040503050406030204" pitchFamily="18" charset="0"/>
-                                    </a:rPr>
-                                    <m:t>𝜇</m:t>
-                                  </m:r>
-                                </m:e>
-                              </m:acc>
-                              <m:r>
-                                <a:rPr lang="zh-TW" altLang="en-US" i="0">
-                                  <a:latin typeface="Cambria Math" panose="02040503050406030204" pitchFamily="18" charset="0"/>
-                                </a:rPr>
-                                <m:t>=</m:t>
-                              </m:r>
-                              <m:f>
-                                <m:fPr>
-                                  <m:ctrlPr>
-                                    <a:rPr lang="zh-TW" altLang="en-US" i="1">
-                                      <a:solidFill>
-                                        <a:srgbClr val="836967"/>
-                                      </a:solidFill>
-                                      <a:latin typeface="Cambria Math" panose="02040503050406030204" pitchFamily="18" charset="0"/>
-                                    </a:rPr>
-                                  </m:ctrlPr>
-                                </m:fPr>
-                                <m:num>
-                                  <m:r>
-                                    <a:rPr lang="zh-TW" altLang="en-US" i="0">
-                                      <a:latin typeface="Cambria Math" panose="02040503050406030204" pitchFamily="18" charset="0"/>
-                                    </a:rPr>
-                                    <m:t>1</m:t>
-                                  </m:r>
-                                </m:num>
-                                <m:den>
-                                  <m:r>
-                                    <a:rPr lang="zh-TW" altLang="en-US" i="1">
-                                      <a:latin typeface="Cambria Math" panose="02040503050406030204" pitchFamily="18" charset="0"/>
-                                    </a:rPr>
-                                    <m:t>𝑛</m:t>
-                                  </m:r>
-                                </m:den>
-                              </m:f>
-                              <m:nary>
-                                <m:naryPr>
-                                  <m:chr m:val="∑"/>
-                                  <m:limLoc m:val="undOvr"/>
-                                  <m:grow m:val="on"/>
-                                  <m:ctrlPr>
-                                    <a:rPr lang="zh-TW" altLang="en-US" i="1">
-                                      <a:latin typeface="Cambria Math" panose="02040503050406030204" pitchFamily="18" charset="0"/>
-                                    </a:rPr>
-                                  </m:ctrlPr>
-                                </m:naryPr>
-                                <m:sub>
-                                  <m:r>
-                                    <a:rPr lang="zh-TW" altLang="en-US" i="1">
-                                      <a:latin typeface="Cambria Math" panose="02040503050406030204" pitchFamily="18" charset="0"/>
-                                    </a:rPr>
-                                    <m:t>𝑖</m:t>
-                                  </m:r>
-                                  <m:r>
-                                    <a:rPr lang="zh-TW" altLang="en-US" i="0">
-                                      <a:latin typeface="Cambria Math" panose="02040503050406030204" pitchFamily="18" charset="0"/>
-                                    </a:rPr>
-                                    <m:t>=1</m:t>
-                                  </m:r>
-                                </m:sub>
-                                <m:sup>
-                                  <m:r>
-                                    <a:rPr lang="zh-TW" altLang="en-US" i="0">
-                                      <a:latin typeface="Cambria Math" panose="02040503050406030204" pitchFamily="18" charset="0"/>
-                                    </a:rPr>
-                                    <m:t>5</m:t>
-                                  </m:r>
-                                </m:sup>
-                                <m:e>
-                                  <m:acc>
-                                    <m:accPr>
-                                      <m:chr m:val="⃗"/>
-                                      <m:ctrlPr>
-                                        <a:rPr lang="zh-TW" altLang="en-US" i="1">
-                                          <a:solidFill>
-                                            <a:srgbClr val="836967"/>
-                                          </a:solidFill>
-                                          <a:latin typeface="Cambria Math" panose="02040503050406030204" pitchFamily="18" charset="0"/>
-                                        </a:rPr>
-                                      </m:ctrlPr>
-                                    </m:accPr>
-                                    <m:e>
-                                      <m:sSub>
-                                        <m:sSubPr>
-                                          <m:ctrlPr>
-                                            <a:rPr lang="zh-TW" altLang="en-US" i="1">
-                                              <a:solidFill>
-                                                <a:srgbClr val="836967"/>
-                                              </a:solidFill>
-                                              <a:latin typeface="Cambria Math" panose="02040503050406030204" pitchFamily="18" charset="0"/>
-                                            </a:rPr>
-                                          </m:ctrlPr>
-                                        </m:sSubPr>
-                                        <m:e>
-                                          <m:r>
-                                            <a:rPr lang="zh-TW" altLang="en-US" i="1">
-                                              <a:latin typeface="Cambria Math" panose="02040503050406030204" pitchFamily="18" charset="0"/>
-                                            </a:rPr>
-                                            <m:t>𝑥</m:t>
-                                          </m:r>
-                                        </m:e>
-                                        <m:sub>
-                                          <m:r>
-                                            <a:rPr lang="zh-TW" altLang="en-US" i="1">
-                                              <a:latin typeface="Cambria Math" panose="02040503050406030204" pitchFamily="18" charset="0"/>
-                                            </a:rPr>
-                                            <m:t>𝑖</m:t>
-                                          </m:r>
-                                        </m:sub>
-                                      </m:sSub>
-                                    </m:e>
-                                  </m:acc>
-                                </m:e>
-                              </m:nary>
-                            </m:den>
-                          </m:f>
-                        </m:den>
-                      </m:f>
-                    </m:oMath>
-                  </m:oMathPara>
-                </a14:m>
-                <a:endParaRPr lang="zh-TW" altLang="en-US" dirty="0"/>
-              </a:p>
-            </p:txBody>
-          </p:sp>
-        </mc:Choice>
-        <mc:Fallback xmlns="">
-          <p:sp>
-            <p:nvSpPr>
-              <p:cNvPr id="2" name="文字方塊 1">
-                <a:extLst>
-                  <a:ext uri="{FF2B5EF4-FFF2-40B4-BE49-F238E27FC236}">
-                    <a16:creationId xmlns:a16="http://schemas.microsoft.com/office/drawing/2014/main" id="{0C4D48D7-7BC2-D326-7436-DEEBF4B525BF}"/>
-                  </a:ext>
-                </a:extLst>
-              </p:cNvPr>
-              <p:cNvSpPr txBox="1">
-                <a:spLocks noRot="1" noChangeAspect="1" noMove="1" noResize="1" noEditPoints="1" noAdjustHandles="1" noChangeArrowheads="1" noChangeShapeType="1" noTextEdit="1"/>
-              </p:cNvSpPr>
-              <p:nvPr/>
-            </p:nvSpPr>
-            <p:spPr>
-              <a:xfrm>
-                <a:off x="5638800" y="2975428"/>
-                <a:ext cx="2008435" cy="1043491"/>
-              </a:xfrm>
-              <a:prstGeom prst="rect">
-                <a:avLst/>
-              </a:prstGeom>
-              <a:blipFill>
-                <a:blip r:embed="rId2"/>
-                <a:stretch>
-                  <a:fillRect/>
-                </a:stretch>
-              </a:blipFill>
-            </p:spPr>
-            <p:txBody>
-              <a:bodyPr/>
-              <a:lstStyle/>
-              <a:p>
-                <a:r>
-                  <a:rPr lang="zh-TW" altLang="en-US">
-                    <a:noFill/>
-                  </a:rPr>
-                  <a:t> </a:t>
-                </a:r>
-              </a:p>
-            </p:txBody>
-          </p:sp>
-        </mc:Fallback>
-      </mc:AlternateContent>
-    </p:spTree>
-    <p:extLst>
-      <p:ext uri="{BB962C8B-B14F-4D97-AF65-F5344CB8AC3E}">
-        <p14:creationId xmlns:p14="http://schemas.microsoft.com/office/powerpoint/2010/main" val="1433162626"/>
-      </p:ext>
-    </p:extLst>
-  </p:cSld>
-  <p:clrMapOvr>
-    <a:masterClrMapping/>
-  </p:clrMapOvr>
-</p:sld>
-</file>
-
-<file path=ppt/slides/slide4.xml><?xml version="1.0" encoding="utf-8"?>
-<p:sld xmlns:a="http://schemas.openxmlformats.org/drawingml/2006/main" xmlns:r="http://schemas.openxmlformats.org/officeDocument/2006/relationships" xmlns:p="http://schemas.openxmlformats.org/presentationml/2006/main">
-  <p:cSld>
-    <p:spTree>
-      <p:nvGrpSpPr>
-        <p:cNvPr id="1" name=""/>
-        <p:cNvGrpSpPr/>
-        <p:nvPr/>
-      </p:nvGrpSpPr>
-      <p:grpSpPr>
-        <a:xfrm>
-          <a:off x="0" y="0"/>
-          <a:ext cx="0" cy="0"/>
-          <a:chOff x="0" y="0"/>
-          <a:chExt cx="0" cy="0"/>
-        </a:xfrm>
-      </p:grpSpPr>
-      <p:grpSp>
-        <p:nvGrpSpPr>
-          <p:cNvPr id="14" name="群組 13">
-            <a:extLst>
-              <a:ext uri="{FF2B5EF4-FFF2-40B4-BE49-F238E27FC236}">
-                <a16:creationId xmlns:a16="http://schemas.microsoft.com/office/drawing/2014/main" id="{DD00F0E9-87B5-08FF-4E35-B747A6CCBD0D}"/>
-              </a:ext>
-            </a:extLst>
-          </p:cNvPr>
-          <p:cNvGrpSpPr/>
-          <p:nvPr/>
-        </p:nvGrpSpPr>
-        <p:grpSpPr>
-          <a:xfrm>
-            <a:off x="3303639" y="1582994"/>
-            <a:ext cx="3903406" cy="3637935"/>
-            <a:chOff x="3303639" y="1582994"/>
-            <a:chExt cx="3903406" cy="3637935"/>
-          </a:xfrm>
-        </p:grpSpPr>
-        <p:sp>
-          <p:nvSpPr>
-            <p:cNvPr id="2" name="矩形 1">
-              <a:extLst>
-                <a:ext uri="{FF2B5EF4-FFF2-40B4-BE49-F238E27FC236}">
-                  <a16:creationId xmlns:a16="http://schemas.microsoft.com/office/drawing/2014/main" id="{0713BB2B-5844-7A05-7363-87C106402330}"/>
-                </a:ext>
-              </a:extLst>
-            </p:cNvPr>
-            <p:cNvSpPr/>
-            <p:nvPr/>
-          </p:nvSpPr>
-          <p:spPr>
-            <a:xfrm>
-              <a:off x="3303639" y="1582994"/>
-              <a:ext cx="3903406" cy="3637935"/>
-            </a:xfrm>
-            <a:prstGeom prst="rect">
-              <a:avLst/>
-            </a:prstGeom>
-            <a:solidFill>
-              <a:schemeClr val="accent2">
-                <a:lumMod val="20000"/>
-                <a:lumOff val="80000"/>
-              </a:schemeClr>
-            </a:solidFill>
-          </p:spPr>
-          <p:style>
-            <a:lnRef idx="3">
-              <a:schemeClr val="lt1"/>
-            </a:lnRef>
-            <a:fillRef idx="1">
-              <a:schemeClr val="accent2"/>
-            </a:fillRef>
-            <a:effectRef idx="1">
-              <a:schemeClr val="accent2"/>
-            </a:effectRef>
-            <a:fontRef idx="minor">
-              <a:schemeClr val="lt1"/>
-            </a:fontRef>
-          </p:style>
-          <p:txBody>
-            <a:bodyPr rtlCol="0" anchor="ctr"/>
-            <a:lstStyle/>
-            <a:p>
-              <a:pPr algn="ctr"/>
-              <a:endParaRPr lang="zh-TW" altLang="en-US" dirty="0"/>
-            </a:p>
-          </p:txBody>
-        </p:sp>
-        <p:sp>
-          <p:nvSpPr>
-            <p:cNvPr id="3" name="橢圓 2">
-              <a:extLst>
-                <a:ext uri="{FF2B5EF4-FFF2-40B4-BE49-F238E27FC236}">
-                  <a16:creationId xmlns:a16="http://schemas.microsoft.com/office/drawing/2014/main" id="{BF4936CD-FA35-2539-DE9F-7B6EF572D7F0}"/>
-                </a:ext>
-              </a:extLst>
-            </p:cNvPr>
-            <p:cNvSpPr/>
-            <p:nvPr/>
-          </p:nvSpPr>
-          <p:spPr>
-            <a:xfrm>
-              <a:off x="4031226" y="2241755"/>
-              <a:ext cx="2448232" cy="2374490"/>
-            </a:xfrm>
-            <a:prstGeom prst="ellipse">
-              <a:avLst/>
-            </a:prstGeom>
-            <a:solidFill>
-              <a:schemeClr val="accent2">
-                <a:lumMod val="60000"/>
-                <a:lumOff val="40000"/>
-              </a:schemeClr>
-            </a:solidFill>
-          </p:spPr>
-          <p:style>
-            <a:lnRef idx="2">
-              <a:schemeClr val="dk1"/>
-            </a:lnRef>
-            <a:fillRef idx="1">
-              <a:schemeClr val="lt1"/>
-            </a:fillRef>
-            <a:effectRef idx="0">
-              <a:schemeClr val="dk1"/>
-            </a:effectRef>
-            <a:fontRef idx="minor">
-              <a:schemeClr val="dk1"/>
-            </a:fontRef>
-          </p:style>
-          <p:txBody>
-            <a:bodyPr rtlCol="0" anchor="ctr"/>
-            <a:lstStyle/>
-            <a:p>
-              <a:pPr algn="ctr"/>
-              <a:endParaRPr lang="zh-TW" altLang="en-US"/>
-            </a:p>
-          </p:txBody>
-        </p:sp>
-        <p:sp>
-          <p:nvSpPr>
-            <p:cNvPr id="4" name="橢圓 3">
-              <a:extLst>
-                <a:ext uri="{FF2B5EF4-FFF2-40B4-BE49-F238E27FC236}">
-                  <a16:creationId xmlns:a16="http://schemas.microsoft.com/office/drawing/2014/main" id="{7EB04109-F4A6-AF2B-4E78-6E0E42901C75}"/>
-                </a:ext>
-              </a:extLst>
-            </p:cNvPr>
-            <p:cNvSpPr/>
-            <p:nvPr/>
-          </p:nvSpPr>
-          <p:spPr>
-            <a:xfrm>
-              <a:off x="4913671" y="3045542"/>
-              <a:ext cx="683342" cy="766916"/>
-            </a:xfrm>
-            <a:prstGeom prst="ellipse">
-              <a:avLst/>
-            </a:prstGeom>
-            <a:solidFill>
-              <a:schemeClr val="accent2">
-                <a:lumMod val="75000"/>
-              </a:schemeClr>
-            </a:solidFill>
-          </p:spPr>
-          <p:style>
-            <a:lnRef idx="2">
-              <a:schemeClr val="dk1"/>
-            </a:lnRef>
-            <a:fillRef idx="1">
-              <a:schemeClr val="lt1"/>
-            </a:fillRef>
-            <a:effectRef idx="0">
-              <a:schemeClr val="dk1"/>
-            </a:effectRef>
-            <a:fontRef idx="minor">
-              <a:schemeClr val="dk1"/>
-            </a:fontRef>
-          </p:style>
-          <p:txBody>
-            <a:bodyPr rtlCol="0" anchor="ctr"/>
-            <a:lstStyle/>
-            <a:p>
-              <a:pPr algn="ctr"/>
-              <a:endParaRPr lang="zh-TW" altLang="en-US"/>
-            </a:p>
-          </p:txBody>
-        </p:sp>
-        <p:sp>
-          <p:nvSpPr>
-            <p:cNvPr id="5" name="文字方塊 4">
-              <a:extLst>
-                <a:ext uri="{FF2B5EF4-FFF2-40B4-BE49-F238E27FC236}">
-                  <a16:creationId xmlns:a16="http://schemas.microsoft.com/office/drawing/2014/main" id="{69BC3DEA-284F-A9A3-66A1-D9E115131545}"/>
-                </a:ext>
-              </a:extLst>
-            </p:cNvPr>
-            <p:cNvSpPr txBox="1"/>
-            <p:nvPr/>
-          </p:nvSpPr>
-          <p:spPr>
-            <a:xfrm>
-              <a:off x="5900584" y="1872423"/>
-              <a:ext cx="1113503" cy="369332"/>
-            </a:xfrm>
-            <a:prstGeom prst="rect">
-              <a:avLst/>
-            </a:prstGeom>
-            <a:noFill/>
-          </p:spPr>
-          <p:txBody>
-            <a:bodyPr wrap="square" rtlCol="0">
-              <a:spAutoFit/>
-            </a:bodyPr>
-            <a:lstStyle/>
-            <a:p>
-              <a:r>
-                <a:rPr lang="zh-TW" altLang="en-US" dirty="0"/>
-                <a:t>環境刺激</a:t>
-              </a:r>
-            </a:p>
-          </p:txBody>
-        </p:sp>
-        <p:sp>
-          <p:nvSpPr>
-            <p:cNvPr id="6" name="文字方塊 5">
-              <a:extLst>
-                <a:ext uri="{FF2B5EF4-FFF2-40B4-BE49-F238E27FC236}">
-                  <a16:creationId xmlns:a16="http://schemas.microsoft.com/office/drawing/2014/main" id="{F8843F61-F63A-6CD2-C0ED-B748AB859CC4}"/>
-                </a:ext>
-              </a:extLst>
-            </p:cNvPr>
-            <p:cNvSpPr txBox="1"/>
-            <p:nvPr/>
-          </p:nvSpPr>
-          <p:spPr>
-            <a:xfrm>
-              <a:off x="5067666" y="3999806"/>
-              <a:ext cx="1827744" cy="369332"/>
-            </a:xfrm>
-            <a:prstGeom prst="rect">
-              <a:avLst/>
-            </a:prstGeom>
-            <a:noFill/>
-          </p:spPr>
-          <p:txBody>
-            <a:bodyPr wrap="none" rtlCol="0">
-              <a:spAutoFit/>
-            </a:bodyPr>
-            <a:lstStyle/>
-            <a:p>
-              <a:r>
-                <a:rPr lang="zh-TW" altLang="en-US" dirty="0"/>
-                <a:t>色刺激</a:t>
-              </a:r>
-              <a:r>
-                <a:rPr lang="en-US" altLang="zh-TW" dirty="0"/>
-                <a:t>(2</a:t>
-              </a:r>
-              <a:r>
-                <a:rPr lang="zh-TW" altLang="en-US" dirty="0"/>
-                <a:t>度視角</a:t>
-              </a:r>
-              <a:r>
-                <a:rPr lang="en-US" altLang="zh-TW" dirty="0"/>
-                <a:t>)</a:t>
-              </a:r>
-              <a:endParaRPr lang="zh-TW" altLang="en-US" dirty="0"/>
-            </a:p>
-          </p:txBody>
-        </p:sp>
-        <p:cxnSp>
-          <p:nvCxnSpPr>
-            <p:cNvPr id="8" name="直線單箭頭接點 7">
-              <a:extLst>
-                <a:ext uri="{FF2B5EF4-FFF2-40B4-BE49-F238E27FC236}">
-                  <a16:creationId xmlns:a16="http://schemas.microsoft.com/office/drawing/2014/main" id="{6C526009-20F2-63BD-A93F-CBF60217D06C}"/>
-                </a:ext>
-              </a:extLst>
-            </p:cNvPr>
-            <p:cNvCxnSpPr>
-              <a:cxnSpLocks/>
-            </p:cNvCxnSpPr>
-            <p:nvPr/>
-          </p:nvCxnSpPr>
-          <p:spPr>
-            <a:xfrm flipH="1" flipV="1">
-              <a:off x="5437239" y="3812458"/>
-              <a:ext cx="89380" cy="299660"/>
-            </a:xfrm>
-            <a:prstGeom prst="straightConnector1">
-              <a:avLst/>
-            </a:prstGeom>
-            <a:ln>
-              <a:tailEnd type="triangle"/>
-            </a:ln>
-          </p:spPr>
-          <p:style>
-            <a:lnRef idx="2">
-              <a:schemeClr val="accent1"/>
-            </a:lnRef>
-            <a:fillRef idx="0">
-              <a:schemeClr val="accent1"/>
-            </a:fillRef>
-            <a:effectRef idx="1">
-              <a:schemeClr val="accent1"/>
-            </a:effectRef>
-            <a:fontRef idx="minor">
-              <a:schemeClr val="tx1"/>
-            </a:fontRef>
-          </p:style>
-        </p:cxnSp>
-        <p:sp>
-          <p:nvSpPr>
-            <p:cNvPr id="12" name="文字方塊 11">
-              <a:extLst>
-                <a:ext uri="{FF2B5EF4-FFF2-40B4-BE49-F238E27FC236}">
-                  <a16:creationId xmlns:a16="http://schemas.microsoft.com/office/drawing/2014/main" id="{739958B5-FF01-67E4-7779-769934555CAC}"/>
-                </a:ext>
-              </a:extLst>
-            </p:cNvPr>
-            <p:cNvSpPr txBox="1"/>
-            <p:nvPr/>
-          </p:nvSpPr>
-          <p:spPr>
-            <a:xfrm>
-              <a:off x="4239319" y="2655093"/>
-              <a:ext cx="2240139" cy="369331"/>
-            </a:xfrm>
-            <a:prstGeom prst="rect">
-              <a:avLst/>
-            </a:prstGeom>
-            <a:noFill/>
-          </p:spPr>
-          <p:txBody>
-            <a:bodyPr wrap="square" rtlCol="0">
-              <a:spAutoFit/>
-            </a:bodyPr>
-            <a:lstStyle/>
-            <a:p>
-              <a:r>
-                <a:rPr lang="zh-TW" altLang="en-US" dirty="0"/>
-                <a:t>背景刺激</a:t>
-              </a:r>
-              <a:r>
-                <a:rPr lang="en-US" altLang="zh-TW" dirty="0"/>
-                <a:t>(10</a:t>
-              </a:r>
-              <a:r>
-                <a:rPr lang="zh-TW" altLang="en-US" dirty="0"/>
-                <a:t>度視角</a:t>
-              </a:r>
-              <a:r>
-                <a:rPr lang="en-US" altLang="zh-TW" dirty="0"/>
-                <a:t>)</a:t>
-              </a:r>
-              <a:endParaRPr lang="zh-TW" altLang="en-US" dirty="0"/>
-            </a:p>
-          </p:txBody>
-        </p:sp>
-      </p:grpSp>
-    </p:spTree>
-    <p:extLst>
-      <p:ext uri="{BB962C8B-B14F-4D97-AF65-F5344CB8AC3E}">
-        <p14:creationId xmlns:p14="http://schemas.microsoft.com/office/powerpoint/2010/main" val="3163844909"/>
       </p:ext>
     </p:extLst>
   </p:cSld>
